--- a/Mean.pptx
+++ b/Mean.pptx
@@ -5,10 +5,10 @@
     <p:sldMasterId id="2147483648" r:id="rId1"/>
   </p:sldMasterIdLst>
   <p:notesMasterIdLst>
-    <p:notesMasterId r:id="rId9"/>
+    <p:notesMasterId r:id="rId10"/>
   </p:notesMasterIdLst>
   <p:handoutMasterIdLst>
-    <p:handoutMasterId r:id="rId10"/>
+    <p:handoutMasterId r:id="rId11"/>
   </p:handoutMasterIdLst>
   <p:sldIdLst>
     <p:sldId id="256" r:id="rId2"/>
@@ -18,6 +18,7 @@
     <p:sldId id="794" r:id="rId6"/>
     <p:sldId id="795" r:id="rId7"/>
     <p:sldId id="258" r:id="rId8"/>
+    <p:sldId id="796" r:id="rId9"/>
   </p:sldIdLst>
   <p:sldSz cx="9144000" cy="5143500" type="screen16x9"/>
   <p:notesSz cx="6858000" cy="9144000"/>
@@ -312,7 +313,7 @@
                 <a:latin typeface="Intel Clear"/>
               </a:rPr>
               <a:pPr/>
-              <a:t>11/5/2019</a:t>
+              <a:t>11/6/2019</a:t>
             </a:fld>
             <a:endParaRPr lang="en-US" dirty="0">
               <a:latin typeface="Intel Clear"/>
@@ -492,7 +493,7 @@
             <a:fld id="{ED7FC5FE-6F0D-D34A-8EE6-C95B4F5F4DC8}" type="datetimeFigureOut">
               <a:rPr lang="en-US" smtClean="0"/>
               <a:pPr/>
-              <a:t>11/5/2019</a:t>
+              <a:t>11/6/2019</a:t>
             </a:fld>
             <a:endParaRPr lang="en-US" dirty="0"/>
           </a:p>
@@ -1433,7 +1434,7 @@
           <a:noFill/>
           <a:extLst>
             <a:ext uri="{909E8E84-426E-40dd-AFC4-6F175D3DCCD1}">
-              <a14:hiddenFill xmlns="" xmlns:a14="http://schemas.microsoft.com/office/drawing/2010/main">
+              <a14:hiddenFill xmlns:a14="http://schemas.microsoft.com/office/drawing/2010/main" xmlns="">
                 <a:solidFill>
                   <a:srgbClr val="FFFFFF"/>
                 </a:solidFill>
@@ -3007,7 +3008,7 @@
           <a:noFill/>
           <a:extLst>
             <a:ext uri="{909E8E84-426E-40dd-AFC4-6F175D3DCCD1}">
-              <a14:hiddenFill xmlns="" xmlns:a14="http://schemas.microsoft.com/office/drawing/2010/main">
+              <a14:hiddenFill xmlns:a14="http://schemas.microsoft.com/office/drawing/2010/main" xmlns="">
                 <a:solidFill>
                   <a:srgbClr val="FFFFFF"/>
                 </a:solidFill>
@@ -3562,7 +3563,7 @@
           <a:noFill/>
           <a:extLst>
             <a:ext uri="{909E8E84-426E-40dd-AFC4-6F175D3DCCD1}">
-              <a14:hiddenFill xmlns="" xmlns:a14="http://schemas.microsoft.com/office/drawing/2010/main">
+              <a14:hiddenFill xmlns:a14="http://schemas.microsoft.com/office/drawing/2010/main" xmlns="">
                 <a:solidFill>
                   <a:srgbClr val="FFFFFF"/>
                 </a:solidFill>
@@ -5505,7 +5506,7 @@
           <a:noFill/>
           <a:extLst>
             <a:ext uri="{909E8E84-426E-40dd-AFC4-6F175D3DCCD1}">
-              <a14:hiddenFill xmlns="" xmlns:a14="http://schemas.microsoft.com/office/drawing/2010/main">
+              <a14:hiddenFill xmlns:a14="http://schemas.microsoft.com/office/drawing/2010/main" xmlns="">
                 <a:solidFill>
                   <a:srgbClr val="FFFFFF"/>
                 </a:solidFill>
@@ -7027,6 +7028,155 @@
     <p:extLst>
       <p:ext uri="{BB962C8B-B14F-4D97-AF65-F5344CB8AC3E}">
         <p14:creationId xmlns:p14="http://schemas.microsoft.com/office/powerpoint/2010/main" val="1647380716"/>
+      </p:ext>
+    </p:extLst>
+  </p:cSld>
+  <p:clrMapOvr>
+    <a:masterClrMapping/>
+  </p:clrMapOvr>
+  <mc:AlternateContent xmlns:mc="http://schemas.openxmlformats.org/markup-compatibility/2006" xmlns:p14="http://schemas.microsoft.com/office/powerpoint/2010/main">
+    <mc:Choice Requires="p14">
+      <p:transition spd="med" p14:dur="700">
+        <p:fade/>
+      </p:transition>
+    </mc:Choice>
+    <mc:Fallback xmlns="">
+      <p:transition spd="med">
+        <p:fade/>
+      </p:transition>
+    </mc:Fallback>
+  </mc:AlternateContent>
+</p:sld>
+</file>
+
+<file path=ppt/slides/slide8.xml><?xml version="1.0" encoding="utf-8"?>
+<p:sld xmlns:a="http://schemas.openxmlformats.org/drawingml/2006/main" xmlns:r="http://schemas.openxmlformats.org/officeDocument/2006/relationships" xmlns:p="http://schemas.openxmlformats.org/presentationml/2006/main">
+  <p:cSld>
+    <p:spTree>
+      <p:nvGrpSpPr>
+        <p:cNvPr id="1" name=""/>
+        <p:cNvGrpSpPr/>
+        <p:nvPr/>
+      </p:nvGrpSpPr>
+      <p:grpSpPr>
+        <a:xfrm>
+          <a:off x="0" y="0"/>
+          <a:ext cx="0" cy="0"/>
+          <a:chOff x="0" y="0"/>
+          <a:chExt cx="0" cy="0"/>
+        </a:xfrm>
+      </p:grpSpPr>
+      <p:sp>
+        <p:nvSpPr>
+          <p:cNvPr id="2" name="Slide Number Placeholder 1">
+            <a:extLst>
+              <a:ext uri="{FF2B5EF4-FFF2-40B4-BE49-F238E27FC236}">
+                <a16:creationId xmlns:a16="http://schemas.microsoft.com/office/drawing/2014/main" id="{C6A12C06-24AC-4A10-B2A2-9E1C2F85B428}"/>
+              </a:ext>
+            </a:extLst>
+          </p:cNvPr>
+          <p:cNvSpPr>
+            <a:spLocks noGrp="1"/>
+          </p:cNvSpPr>
+          <p:nvPr>
+            <p:ph type="sldNum" sz="quarter" idx="12"/>
+          </p:nvPr>
+        </p:nvSpPr>
+        <p:spPr/>
+        <p:txBody>
+          <a:bodyPr/>
+          <a:lstStyle/>
+          <a:p>
+            <a:fld id="{EE2556C5-CE8C-6547-B838-EA80C61A4AF7}" type="slidenum">
+              <a:rPr lang="en-US" smtClean="0"/>
+              <a:pPr/>
+              <a:t>8</a:t>
+            </a:fld>
+            <a:endParaRPr lang="en-US" dirty="0"/>
+          </a:p>
+        </p:txBody>
+      </p:sp>
+      <p:sp>
+        <p:nvSpPr>
+          <p:cNvPr id="6" name="Title 5">
+            <a:extLst>
+              <a:ext uri="{FF2B5EF4-FFF2-40B4-BE49-F238E27FC236}">
+                <a16:creationId xmlns:a16="http://schemas.microsoft.com/office/drawing/2014/main" id="{F39DF19A-902B-4934-B874-F987D1B718F2}"/>
+              </a:ext>
+            </a:extLst>
+          </p:cNvPr>
+          <p:cNvSpPr>
+            <a:spLocks noGrp="1"/>
+          </p:cNvSpPr>
+          <p:nvPr>
+            <p:ph type="title"/>
+          </p:nvPr>
+        </p:nvSpPr>
+        <p:spPr/>
+        <p:txBody>
+          <a:bodyPr/>
+          <a:lstStyle/>
+          <a:p>
+            <a:endParaRPr lang="en-US"/>
+          </a:p>
+        </p:txBody>
+      </p:sp>
+      <p:sp>
+        <p:nvSpPr>
+          <p:cNvPr id="7" name="Content Placeholder 6">
+            <a:extLst>
+              <a:ext uri="{FF2B5EF4-FFF2-40B4-BE49-F238E27FC236}">
+                <a16:creationId xmlns:a16="http://schemas.microsoft.com/office/drawing/2014/main" id="{5A868B38-EF30-410D-B426-2CC3898EFA9C}"/>
+              </a:ext>
+            </a:extLst>
+          </p:cNvPr>
+          <p:cNvSpPr>
+            <a:spLocks noGrp="1"/>
+          </p:cNvSpPr>
+          <p:nvPr>
+            <p:ph sz="quarter" idx="13"/>
+          </p:nvPr>
+        </p:nvSpPr>
+        <p:spPr/>
+        <p:txBody>
+          <a:bodyPr/>
+          <a:lstStyle/>
+          <a:p>
+            <a:r>
+              <a:rPr lang="en-US" dirty="0">
+                <a:hlinkClick r:id="rId2"/>
+              </a:rPr>
+              <a:t>https://github.com/EdgarAVJ/WebDevelopmentMEAN/</a:t>
+            </a:r>
+            <a:endParaRPr lang="en-US" dirty="0"/>
+          </a:p>
+          <a:p>
+            <a:endParaRPr lang="en-US" dirty="0"/>
+          </a:p>
+          <a:p>
+            <a:endParaRPr lang="en-US" dirty="0"/>
+          </a:p>
+          <a:p>
+            <a:endParaRPr lang="en-US" dirty="0"/>
+          </a:p>
+          <a:p>
+            <a:r>
+              <a:rPr lang="en-US">
+                <a:hlinkClick r:id="rId3"/>
+              </a:rPr>
+              <a:t>https://devcenter.heroku.com/articles/mean-apps-restful-api#create-the-contact-list-template-and-component</a:t>
+            </a:r>
+            <a:endParaRPr lang="en-US"/>
+          </a:p>
+          <a:p>
+            <a:endParaRPr lang="en-US"/>
+          </a:p>
+        </p:txBody>
+      </p:sp>
+    </p:spTree>
+    <p:extLst>
+      <p:ext uri="{BB962C8B-B14F-4D97-AF65-F5344CB8AC3E}">
+        <p14:creationId xmlns:p14="http://schemas.microsoft.com/office/powerpoint/2010/main" val="3564981435"/>
       </p:ext>
     </p:extLst>
   </p:cSld>
